--- a/figures/motivating-example.pptx
+++ b/figures/motivating-example.pptx
@@ -104,6 +104,11 @@
       </a:defRPr>
     </a:lvl9pPr>
   </p:defaultTextStyle>
+  <p:extLst>
+    <p:ext uri="{EFAFB233-063F-42B5-8137-9DF3F51BA10A}">
+      <p15:sldGuideLst xmlns:p15="http://schemas.microsoft.com/office/powerpoint/2012/main"/>
+    </p:ext>
+  </p:extLst>
 </p:presentation>
 </file>
 
@@ -238,7 +243,7 @@
           <a:p>
             <a:fld id="{24453DC8-B8B9-43A2-8436-2DA55E45D40E}" type="datetimeFigureOut">
               <a:rPr lang="zh-CN" altLang="en-US" smtClean="0"/>
-              <a:t>2025/9/10</a:t>
+              <a:t>2025/9/12</a:t>
             </a:fld>
             <a:endParaRPr lang="zh-CN" altLang="en-US"/>
           </a:p>
@@ -408,7 +413,7 @@
           <a:p>
             <a:fld id="{24453DC8-B8B9-43A2-8436-2DA55E45D40E}" type="datetimeFigureOut">
               <a:rPr lang="zh-CN" altLang="en-US" smtClean="0"/>
-              <a:t>2025/9/10</a:t>
+              <a:t>2025/9/12</a:t>
             </a:fld>
             <a:endParaRPr lang="zh-CN" altLang="en-US"/>
           </a:p>
@@ -588,7 +593,7 @@
           <a:p>
             <a:fld id="{24453DC8-B8B9-43A2-8436-2DA55E45D40E}" type="datetimeFigureOut">
               <a:rPr lang="zh-CN" altLang="en-US" smtClean="0"/>
-              <a:t>2025/9/10</a:t>
+              <a:t>2025/9/12</a:t>
             </a:fld>
             <a:endParaRPr lang="zh-CN" altLang="en-US"/>
           </a:p>
@@ -758,7 +763,7 @@
           <a:p>
             <a:fld id="{24453DC8-B8B9-43A2-8436-2DA55E45D40E}" type="datetimeFigureOut">
               <a:rPr lang="zh-CN" altLang="en-US" smtClean="0"/>
-              <a:t>2025/9/10</a:t>
+              <a:t>2025/9/12</a:t>
             </a:fld>
             <a:endParaRPr lang="zh-CN" altLang="en-US"/>
           </a:p>
@@ -1004,7 +1009,7 @@
           <a:p>
             <a:fld id="{24453DC8-B8B9-43A2-8436-2DA55E45D40E}" type="datetimeFigureOut">
               <a:rPr lang="zh-CN" altLang="en-US" smtClean="0"/>
-              <a:t>2025/9/10</a:t>
+              <a:t>2025/9/12</a:t>
             </a:fld>
             <a:endParaRPr lang="zh-CN" altLang="en-US"/>
           </a:p>
@@ -1236,7 +1241,7 @@
           <a:p>
             <a:fld id="{24453DC8-B8B9-43A2-8436-2DA55E45D40E}" type="datetimeFigureOut">
               <a:rPr lang="zh-CN" altLang="en-US" smtClean="0"/>
-              <a:t>2025/9/10</a:t>
+              <a:t>2025/9/12</a:t>
             </a:fld>
             <a:endParaRPr lang="zh-CN" altLang="en-US"/>
           </a:p>
@@ -1603,7 +1608,7 @@
           <a:p>
             <a:fld id="{24453DC8-B8B9-43A2-8436-2DA55E45D40E}" type="datetimeFigureOut">
               <a:rPr lang="zh-CN" altLang="en-US" smtClean="0"/>
-              <a:t>2025/9/10</a:t>
+              <a:t>2025/9/12</a:t>
             </a:fld>
             <a:endParaRPr lang="zh-CN" altLang="en-US"/>
           </a:p>
@@ -1721,7 +1726,7 @@
           <a:p>
             <a:fld id="{24453DC8-B8B9-43A2-8436-2DA55E45D40E}" type="datetimeFigureOut">
               <a:rPr lang="zh-CN" altLang="en-US" smtClean="0"/>
-              <a:t>2025/9/10</a:t>
+              <a:t>2025/9/12</a:t>
             </a:fld>
             <a:endParaRPr lang="zh-CN" altLang="en-US"/>
           </a:p>
@@ -1816,7 +1821,7 @@
           <a:p>
             <a:fld id="{24453DC8-B8B9-43A2-8436-2DA55E45D40E}" type="datetimeFigureOut">
               <a:rPr lang="zh-CN" altLang="en-US" smtClean="0"/>
-              <a:t>2025/9/10</a:t>
+              <a:t>2025/9/12</a:t>
             </a:fld>
             <a:endParaRPr lang="zh-CN" altLang="en-US"/>
           </a:p>
@@ -2093,7 +2098,7 @@
           <a:p>
             <a:fld id="{24453DC8-B8B9-43A2-8436-2DA55E45D40E}" type="datetimeFigureOut">
               <a:rPr lang="zh-CN" altLang="en-US" smtClean="0"/>
-              <a:t>2025/9/10</a:t>
+              <a:t>2025/9/12</a:t>
             </a:fld>
             <a:endParaRPr lang="zh-CN" altLang="en-US"/>
           </a:p>
@@ -2350,7 +2355,7 @@
           <a:p>
             <a:fld id="{24453DC8-B8B9-43A2-8436-2DA55E45D40E}" type="datetimeFigureOut">
               <a:rPr lang="zh-CN" altLang="en-US" smtClean="0"/>
-              <a:t>2025/9/10</a:t>
+              <a:t>2025/9/12</a:t>
             </a:fld>
             <a:endParaRPr lang="zh-CN" altLang="en-US"/>
           </a:p>
@@ -2563,7 +2568,7 @@
           <a:p>
             <a:fld id="{24453DC8-B8B9-43A2-8436-2DA55E45D40E}" type="datetimeFigureOut">
               <a:rPr lang="zh-CN" altLang="en-US" smtClean="0"/>
-              <a:t>2025/9/10</a:t>
+              <a:t>2025/9/12</a:t>
             </a:fld>
             <a:endParaRPr lang="zh-CN" altLang="en-US"/>
           </a:p>
@@ -3031,7 +3036,7 @@
                   <a:ea typeface="Linux Libertine" panose="02000503000000000000" pitchFamily="2" charset="0"/>
                   <a:cs typeface="Linux Libertine" panose="02000503000000000000" pitchFamily="2" charset="0"/>
                 </a:rPr>
-                <a:t>Invariant</a:t>
+                <a:t>Constraints</a:t>
               </a:r>
             </a:p>
             <a:p>

--- a/figures/motivating-example.pptx
+++ b/figures/motivating-example.pptx
@@ -243,7 +243,7 @@
           <a:p>
             <a:fld id="{24453DC8-B8B9-43A2-8436-2DA55E45D40E}" type="datetimeFigureOut">
               <a:rPr lang="zh-CN" altLang="en-US" smtClean="0"/>
-              <a:t>2025/9/12</a:t>
+              <a:t>2025/9/14</a:t>
             </a:fld>
             <a:endParaRPr lang="zh-CN" altLang="en-US"/>
           </a:p>
@@ -413,7 +413,7 @@
           <a:p>
             <a:fld id="{24453DC8-B8B9-43A2-8436-2DA55E45D40E}" type="datetimeFigureOut">
               <a:rPr lang="zh-CN" altLang="en-US" smtClean="0"/>
-              <a:t>2025/9/12</a:t>
+              <a:t>2025/9/14</a:t>
             </a:fld>
             <a:endParaRPr lang="zh-CN" altLang="en-US"/>
           </a:p>
@@ -593,7 +593,7 @@
           <a:p>
             <a:fld id="{24453DC8-B8B9-43A2-8436-2DA55E45D40E}" type="datetimeFigureOut">
               <a:rPr lang="zh-CN" altLang="en-US" smtClean="0"/>
-              <a:t>2025/9/12</a:t>
+              <a:t>2025/9/14</a:t>
             </a:fld>
             <a:endParaRPr lang="zh-CN" altLang="en-US"/>
           </a:p>
@@ -763,7 +763,7 @@
           <a:p>
             <a:fld id="{24453DC8-B8B9-43A2-8436-2DA55E45D40E}" type="datetimeFigureOut">
               <a:rPr lang="zh-CN" altLang="en-US" smtClean="0"/>
-              <a:t>2025/9/12</a:t>
+              <a:t>2025/9/14</a:t>
             </a:fld>
             <a:endParaRPr lang="zh-CN" altLang="en-US"/>
           </a:p>
@@ -1009,7 +1009,7 @@
           <a:p>
             <a:fld id="{24453DC8-B8B9-43A2-8436-2DA55E45D40E}" type="datetimeFigureOut">
               <a:rPr lang="zh-CN" altLang="en-US" smtClean="0"/>
-              <a:t>2025/9/12</a:t>
+              <a:t>2025/9/14</a:t>
             </a:fld>
             <a:endParaRPr lang="zh-CN" altLang="en-US"/>
           </a:p>
@@ -1241,7 +1241,7 @@
           <a:p>
             <a:fld id="{24453DC8-B8B9-43A2-8436-2DA55E45D40E}" type="datetimeFigureOut">
               <a:rPr lang="zh-CN" altLang="en-US" smtClean="0"/>
-              <a:t>2025/9/12</a:t>
+              <a:t>2025/9/14</a:t>
             </a:fld>
             <a:endParaRPr lang="zh-CN" altLang="en-US"/>
           </a:p>
@@ -1608,7 +1608,7 @@
           <a:p>
             <a:fld id="{24453DC8-B8B9-43A2-8436-2DA55E45D40E}" type="datetimeFigureOut">
               <a:rPr lang="zh-CN" altLang="en-US" smtClean="0"/>
-              <a:t>2025/9/12</a:t>
+              <a:t>2025/9/14</a:t>
             </a:fld>
             <a:endParaRPr lang="zh-CN" altLang="en-US"/>
           </a:p>
@@ -1726,7 +1726,7 @@
           <a:p>
             <a:fld id="{24453DC8-B8B9-43A2-8436-2DA55E45D40E}" type="datetimeFigureOut">
               <a:rPr lang="zh-CN" altLang="en-US" smtClean="0"/>
-              <a:t>2025/9/12</a:t>
+              <a:t>2025/9/14</a:t>
             </a:fld>
             <a:endParaRPr lang="zh-CN" altLang="en-US"/>
           </a:p>
@@ -1821,7 +1821,7 @@
           <a:p>
             <a:fld id="{24453DC8-B8B9-43A2-8436-2DA55E45D40E}" type="datetimeFigureOut">
               <a:rPr lang="zh-CN" altLang="en-US" smtClean="0"/>
-              <a:t>2025/9/12</a:t>
+              <a:t>2025/9/14</a:t>
             </a:fld>
             <a:endParaRPr lang="zh-CN" altLang="en-US"/>
           </a:p>
@@ -2098,7 +2098,7 @@
           <a:p>
             <a:fld id="{24453DC8-B8B9-43A2-8436-2DA55E45D40E}" type="datetimeFigureOut">
               <a:rPr lang="zh-CN" altLang="en-US" smtClean="0"/>
-              <a:t>2025/9/12</a:t>
+              <a:t>2025/9/14</a:t>
             </a:fld>
             <a:endParaRPr lang="zh-CN" altLang="en-US"/>
           </a:p>
@@ -2355,7 +2355,7 @@
           <a:p>
             <a:fld id="{24453DC8-B8B9-43A2-8436-2DA55E45D40E}" type="datetimeFigureOut">
               <a:rPr lang="zh-CN" altLang="en-US" smtClean="0"/>
-              <a:t>2025/9/12</a:t>
+              <a:t>2025/9/14</a:t>
             </a:fld>
             <a:endParaRPr lang="zh-CN" altLang="en-US"/>
           </a:p>
@@ -2568,7 +2568,7 @@
           <a:p>
             <a:fld id="{24453DC8-B8B9-43A2-8436-2DA55E45D40E}" type="datetimeFigureOut">
               <a:rPr lang="zh-CN" altLang="en-US" smtClean="0"/>
-              <a:t>2025/9/12</a:t>
+              <a:t>2025/9/14</a:t>
             </a:fld>
             <a:endParaRPr lang="zh-CN" altLang="en-US"/>
           </a:p>
@@ -3057,7 +3057,7 @@
                 <a:rPr lang="en-US" altLang="zh-CN" sz="1200" b="1" kern="0" dirty="0" err="1">
                   <a:latin typeface="Consolas" panose="020B0609020204030204" pitchFamily="49" charset="0"/>
                 </a:rPr>
-                <a:t>cancelOrder</a:t>
+                <a:t>refund</a:t>
               </a:r>
               <a:r>
                 <a:rPr lang="en-US" altLang="zh-CN" sz="1200" kern="0" dirty="0" err="1">
@@ -3738,27 +3738,8 @@
                   <a:ea typeface="Linux Libertine" panose="02000503000000000000" pitchFamily="2" charset="0"/>
                   <a:cs typeface="Linux Libertine" panose="02000503000000000000" pitchFamily="2" charset="0"/>
                 </a:rPr>
-                <a:t>/v1/</a:t>
-              </a:r>
-              <a:r>
-                <a:rPr lang="en-US" altLang="zh-CN" sz="1200" b="1" kern="0" dirty="0" err="1">
-                  <a:solidFill>
-                    <a:schemeClr val="bg1"/>
-                  </a:solidFill>
-                  <a:latin typeface="Linux Libertine" panose="02000503000000000000" pitchFamily="2" charset="0"/>
-                  <a:ea typeface="Linux Libertine" panose="02000503000000000000" pitchFamily="2" charset="0"/>
-                  <a:cs typeface="Linux Libertine" panose="02000503000000000000" pitchFamily="2" charset="0"/>
-                </a:rPr>
-                <a:t>cancelOrder</a:t>
-              </a:r>
-              <a:endParaRPr lang="en-US" altLang="zh-CN" sz="1200" b="1" kern="0" dirty="0">
-                <a:solidFill>
-                  <a:schemeClr val="bg1"/>
-                </a:solidFill>
-                <a:latin typeface="Linux Libertine" panose="02000503000000000000" pitchFamily="2" charset="0"/>
-                <a:ea typeface="Linux Libertine" panose="02000503000000000000" pitchFamily="2" charset="0"/>
-                <a:cs typeface="Linux Libertine" panose="02000503000000000000" pitchFamily="2" charset="0"/>
-              </a:endParaRPr>
+                <a:t>/v1/refund</a:t>
+              </a:r>
             </a:p>
           </p:txBody>
         </p:sp>
@@ -4085,10 +4066,10 @@
                   <a:ea typeface="Linux Libertine" panose="02000503000000000000" pitchFamily="2" charset="0"/>
                   <a:cs typeface="Linux Libertine" panose="02000503000000000000" pitchFamily="2" charset="0"/>
                 </a:rPr>
-                <a:t>/v1/</a:t>
-              </a:r>
-              <a:r>
-                <a:rPr lang="en-US" altLang="zh-CN" sz="1200" b="1" kern="0" dirty="0" err="1">
+                <a:t>/</a:t>
+              </a:r>
+              <a:r>
+                <a:rPr lang="en-US" altLang="zh-CN" sz="1200" b="1" kern="0">
                   <a:solidFill>
                     <a:schemeClr val="bg1"/>
                   </a:solidFill>
@@ -4096,7 +4077,7 @@
                   <a:ea typeface="Linux Libertine" panose="02000503000000000000" pitchFamily="2" charset="0"/>
                   <a:cs typeface="Linux Libertine" panose="02000503000000000000" pitchFamily="2" charset="0"/>
                 </a:rPr>
-                <a:t>cancelOrder</a:t>
+                <a:t>v1/refund</a:t>
               </a:r>
               <a:endParaRPr lang="en-US" altLang="zh-CN" sz="1200" b="1" kern="0" dirty="0">
                 <a:solidFill>
